--- a/datalab_slides_si.pptx
+++ b/datalab_slides_si.pptx
@@ -238,7 +238,7 @@
           <a:p>
             <a:fld id="{BC6710E0-DE9E-4449-BE1A-60EBA0037C34}" type="datetimeFigureOut">
               <a:rPr lang="en-US" smtClean="0"/>
-              <a:t>6/7/2018</a:t>
+              <a:t>6/8/2018</a:t>
             </a:fld>
             <a:endParaRPr lang="en-US"/>
           </a:p>
@@ -2334,7 +2334,7 @@
           <a:p>
             <a:fld id="{3038CB05-B921-4513-BED9-0B5EA5A413F7}" type="datetimeFigureOut">
               <a:rPr lang="en-US" smtClean="0"/>
-              <a:t>6/7/2018</a:t>
+              <a:t>6/8/2018</a:t>
             </a:fld>
             <a:endParaRPr lang="en-US"/>
           </a:p>
@@ -2532,7 +2532,7 @@
           <a:p>
             <a:fld id="{3038CB05-B921-4513-BED9-0B5EA5A413F7}" type="datetimeFigureOut">
               <a:rPr lang="en-US" smtClean="0"/>
-              <a:t>6/7/2018</a:t>
+              <a:t>6/8/2018</a:t>
             </a:fld>
             <a:endParaRPr lang="en-US"/>
           </a:p>
@@ -2740,7 +2740,7 @@
           <a:p>
             <a:fld id="{3038CB05-B921-4513-BED9-0B5EA5A413F7}" type="datetimeFigureOut">
               <a:rPr lang="en-US" smtClean="0"/>
-              <a:t>6/7/2018</a:t>
+              <a:t>6/8/2018</a:t>
             </a:fld>
             <a:endParaRPr lang="en-US"/>
           </a:p>
@@ -2938,7 +2938,7 @@
           <a:p>
             <a:fld id="{3038CB05-B921-4513-BED9-0B5EA5A413F7}" type="datetimeFigureOut">
               <a:rPr lang="en-US" smtClean="0"/>
-              <a:t>6/7/2018</a:t>
+              <a:t>6/8/2018</a:t>
             </a:fld>
             <a:endParaRPr lang="en-US"/>
           </a:p>
@@ -3213,7 +3213,7 @@
           <a:p>
             <a:fld id="{3038CB05-B921-4513-BED9-0B5EA5A413F7}" type="datetimeFigureOut">
               <a:rPr lang="en-US" smtClean="0"/>
-              <a:t>6/7/2018</a:t>
+              <a:t>6/8/2018</a:t>
             </a:fld>
             <a:endParaRPr lang="en-US"/>
           </a:p>
@@ -3478,7 +3478,7 @@
           <a:p>
             <a:fld id="{3038CB05-B921-4513-BED9-0B5EA5A413F7}" type="datetimeFigureOut">
               <a:rPr lang="en-US" smtClean="0"/>
-              <a:t>6/7/2018</a:t>
+              <a:t>6/8/2018</a:t>
             </a:fld>
             <a:endParaRPr lang="en-US"/>
           </a:p>
@@ -3890,7 +3890,7 @@
           <a:p>
             <a:fld id="{3038CB05-B921-4513-BED9-0B5EA5A413F7}" type="datetimeFigureOut">
               <a:rPr lang="en-US" smtClean="0"/>
-              <a:t>6/7/2018</a:t>
+              <a:t>6/8/2018</a:t>
             </a:fld>
             <a:endParaRPr lang="en-US"/>
           </a:p>
@@ -4031,7 +4031,7 @@
           <a:p>
             <a:fld id="{3038CB05-B921-4513-BED9-0B5EA5A413F7}" type="datetimeFigureOut">
               <a:rPr lang="en-US" smtClean="0"/>
-              <a:t>6/7/2018</a:t>
+              <a:t>6/8/2018</a:t>
             </a:fld>
             <a:endParaRPr lang="en-US"/>
           </a:p>
@@ -4144,7 +4144,7 @@
           <a:p>
             <a:fld id="{3038CB05-B921-4513-BED9-0B5EA5A413F7}" type="datetimeFigureOut">
               <a:rPr lang="en-US" smtClean="0"/>
-              <a:t>6/7/2018</a:t>
+              <a:t>6/8/2018</a:t>
             </a:fld>
             <a:endParaRPr lang="en-US"/>
           </a:p>
@@ -4455,7 +4455,7 @@
           <a:p>
             <a:fld id="{3038CB05-B921-4513-BED9-0B5EA5A413F7}" type="datetimeFigureOut">
               <a:rPr lang="en-US" smtClean="0"/>
-              <a:t>6/7/2018</a:t>
+              <a:t>6/8/2018</a:t>
             </a:fld>
             <a:endParaRPr lang="en-US"/>
           </a:p>
@@ -4743,7 +4743,7 @@
           <a:p>
             <a:fld id="{3038CB05-B921-4513-BED9-0B5EA5A413F7}" type="datetimeFigureOut">
               <a:rPr lang="en-US" smtClean="0"/>
-              <a:t>6/7/2018</a:t>
+              <a:t>6/8/2018</a:t>
             </a:fld>
             <a:endParaRPr lang="en-US"/>
           </a:p>
@@ -4984,7 +4984,7 @@
           <a:p>
             <a:fld id="{3038CB05-B921-4513-BED9-0B5EA5A413F7}" type="datetimeFigureOut">
               <a:rPr lang="en-US" smtClean="0"/>
-              <a:t>6/7/2018</a:t>
+              <a:t>6/8/2018</a:t>
             </a:fld>
             <a:endParaRPr lang="en-US"/>
           </a:p>
@@ -5602,7 +5602,7 @@
             <a:pPr lvl="2"/>
             <a:r>
               <a:rPr lang="en-US" dirty="0"/>
-              <a:t>half credit if it fails one test (at least passes one test)</a:t>
+              <a:t>half credit if it fails one test</a:t>
             </a:r>
           </a:p>
           <a:p>
